--- a/Figuras.pptx
+++ b/Figuras.pptx
@@ -116,13 +116,37 @@
 <file path=ppt/revisionInfo.xml><?xml version="1.0" encoding="utf-8"?>
 <p1510:revInfo xmlns:a="http://schemas.openxmlformats.org/drawingml/2006/main" xmlns:r="http://schemas.openxmlformats.org/officeDocument/2006/relationships" xmlns:p1510="http://schemas.microsoft.com/office/powerpoint/2015/10/main">
   <p1510:revLst>
-    <p1510:client id="{C8B4453A-0180-4CEB-916A-D4CBF16D7CD3}" v="5" dt="2023-09-04T11:52:16.150"/>
+    <p1510:client id="{27055FB1-566E-41ED-A881-B85C3E2B0C42}" v="1" dt="2023-10-26T16:50:50.624"/>
   </p1510:revLst>
 </p1510:revInfo>
 </file>
 
 <file path=ppt/changesInfos/changesInfo1.xml><?xml version="1.0" encoding="utf-8"?>
 <pc:chgInfo xmlns:a="http://schemas.openxmlformats.org/drawingml/2006/main" xmlns:r="http://schemas.openxmlformats.org/officeDocument/2006/relationships" xmlns:ac="http://schemas.microsoft.com/office/drawing/2013/main/command" xmlns:pc="http://schemas.microsoft.com/office/powerpoint/2013/main/command">
+  <pc:docChgLst>
+    <pc:chgData name="Fabio Correa Cordeiro" userId="8b2b114c-e657-44a8-b838-8ef487f983a8" providerId="ADAL" clId="{27055FB1-566E-41ED-A881-B85C3E2B0C42}"/>
+    <pc:docChg chg="modSld">
+      <pc:chgData name="Fabio Correa Cordeiro" userId="8b2b114c-e657-44a8-b838-8ef487f983a8" providerId="ADAL" clId="{27055FB1-566E-41ED-A881-B85C3E2B0C42}" dt="2023-10-26T16:50:50.623" v="0"/>
+      <pc:docMkLst>
+        <pc:docMk/>
+      </pc:docMkLst>
+      <pc:sldChg chg="modSp">
+        <pc:chgData name="Fabio Correa Cordeiro" userId="8b2b114c-e657-44a8-b838-8ef487f983a8" providerId="ADAL" clId="{27055FB1-566E-41ED-A881-B85C3E2B0C42}" dt="2023-10-26T16:50:50.623" v="0"/>
+        <pc:sldMkLst>
+          <pc:docMk/>
+          <pc:sldMk cId="1962538797" sldId="256"/>
+        </pc:sldMkLst>
+        <pc:graphicFrameChg chg="mod">
+          <ac:chgData name="Fabio Correa Cordeiro" userId="8b2b114c-e657-44a8-b838-8ef487f983a8" providerId="ADAL" clId="{27055FB1-566E-41ED-A881-B85C3E2B0C42}" dt="2023-10-26T16:50:50.623" v="0"/>
+          <ac:graphicFrameMkLst>
+            <pc:docMk/>
+            <pc:sldMk cId="1962538797" sldId="256"/>
+            <ac:graphicFrameMk id="4" creationId="{F1FA4178-C47B-662D-7FF1-B2BAEE287832}"/>
+          </ac:graphicFrameMkLst>
+        </pc:graphicFrameChg>
+      </pc:sldChg>
+    </pc:docChg>
+  </pc:docChgLst>
   <pc:docChgLst>
     <pc:chgData name="Fabio Correa Cordeiro" userId="8b2b114c-e657-44a8-b838-8ef487f983a8" providerId="ADAL" clId="{C8B4453A-0180-4CEB-916A-D4CBF16D7CD3}"/>
     <pc:docChg chg="undo custSel modSld">
@@ -3123,7 +3147,7 @@
           <a:p>
             <a:fld id="{33FA73FE-8D0A-48E7-927A-17C6F5F30F75}" type="datetimeFigureOut">
               <a:rPr lang="pt-BR" smtClean="0"/>
-              <a:t>04/09/2023</a:t>
+              <a:t>26/10/2023</a:t>
             </a:fld>
             <a:endParaRPr lang="pt-BR"/>
           </a:p>
@@ -3321,7 +3345,7 @@
           <a:p>
             <a:fld id="{33FA73FE-8D0A-48E7-927A-17C6F5F30F75}" type="datetimeFigureOut">
               <a:rPr lang="pt-BR" smtClean="0"/>
-              <a:t>04/09/2023</a:t>
+              <a:t>26/10/2023</a:t>
             </a:fld>
             <a:endParaRPr lang="pt-BR"/>
           </a:p>
@@ -3529,7 +3553,7 @@
           <a:p>
             <a:fld id="{33FA73FE-8D0A-48E7-927A-17C6F5F30F75}" type="datetimeFigureOut">
               <a:rPr lang="pt-BR" smtClean="0"/>
-              <a:t>04/09/2023</a:t>
+              <a:t>26/10/2023</a:t>
             </a:fld>
             <a:endParaRPr lang="pt-BR"/>
           </a:p>
@@ -3727,7 +3751,7 @@
           <a:p>
             <a:fld id="{33FA73FE-8D0A-48E7-927A-17C6F5F30F75}" type="datetimeFigureOut">
               <a:rPr lang="pt-BR" smtClean="0"/>
-              <a:t>04/09/2023</a:t>
+              <a:t>26/10/2023</a:t>
             </a:fld>
             <a:endParaRPr lang="pt-BR"/>
           </a:p>
@@ -4002,7 +4026,7 @@
           <a:p>
             <a:fld id="{33FA73FE-8D0A-48E7-927A-17C6F5F30F75}" type="datetimeFigureOut">
               <a:rPr lang="pt-BR" smtClean="0"/>
-              <a:t>04/09/2023</a:t>
+              <a:t>26/10/2023</a:t>
             </a:fld>
             <a:endParaRPr lang="pt-BR"/>
           </a:p>
@@ -4267,7 +4291,7 @@
           <a:p>
             <a:fld id="{33FA73FE-8D0A-48E7-927A-17C6F5F30F75}" type="datetimeFigureOut">
               <a:rPr lang="pt-BR" smtClean="0"/>
-              <a:t>04/09/2023</a:t>
+              <a:t>26/10/2023</a:t>
             </a:fld>
             <a:endParaRPr lang="pt-BR"/>
           </a:p>
@@ -4679,7 +4703,7 @@
           <a:p>
             <a:fld id="{33FA73FE-8D0A-48E7-927A-17C6F5F30F75}" type="datetimeFigureOut">
               <a:rPr lang="pt-BR" smtClean="0"/>
-              <a:t>04/09/2023</a:t>
+              <a:t>26/10/2023</a:t>
             </a:fld>
             <a:endParaRPr lang="pt-BR"/>
           </a:p>
@@ -4820,7 +4844,7 @@
           <a:p>
             <a:fld id="{33FA73FE-8D0A-48E7-927A-17C6F5F30F75}" type="datetimeFigureOut">
               <a:rPr lang="pt-BR" smtClean="0"/>
-              <a:t>04/09/2023</a:t>
+              <a:t>26/10/2023</a:t>
             </a:fld>
             <a:endParaRPr lang="pt-BR"/>
           </a:p>
@@ -4933,7 +4957,7 @@
           <a:p>
             <a:fld id="{33FA73FE-8D0A-48E7-927A-17C6F5F30F75}" type="datetimeFigureOut">
               <a:rPr lang="pt-BR" smtClean="0"/>
-              <a:t>04/09/2023</a:t>
+              <a:t>26/10/2023</a:t>
             </a:fld>
             <a:endParaRPr lang="pt-BR"/>
           </a:p>
@@ -5244,7 +5268,7 @@
           <a:p>
             <a:fld id="{33FA73FE-8D0A-48E7-927A-17C6F5F30F75}" type="datetimeFigureOut">
               <a:rPr lang="pt-BR" smtClean="0"/>
-              <a:t>04/09/2023</a:t>
+              <a:t>26/10/2023</a:t>
             </a:fld>
             <a:endParaRPr lang="pt-BR"/>
           </a:p>
@@ -5532,7 +5556,7 @@
           <a:p>
             <a:fld id="{33FA73FE-8D0A-48E7-927A-17C6F5F30F75}" type="datetimeFigureOut">
               <a:rPr lang="pt-BR" smtClean="0"/>
-              <a:t>04/09/2023</a:t>
+              <a:t>26/10/2023</a:t>
             </a:fld>
             <a:endParaRPr lang="pt-BR"/>
           </a:p>
@@ -5773,7 +5797,7 @@
           <a:p>
             <a:fld id="{33FA73FE-8D0A-48E7-927A-17C6F5F30F75}" type="datetimeFigureOut">
               <a:rPr lang="pt-BR" smtClean="0"/>
-              <a:t>04/09/2023</a:t>
+              <a:t>26/10/2023</a:t>
             </a:fld>
             <a:endParaRPr lang="pt-BR"/>
           </a:p>
@@ -6249,7 +6273,7 @@
           <p:nvPr>
             <p:extLst>
               <p:ext uri="{D42A27DB-BD31-4B8C-83A1-F6EECF244321}">
-                <p14:modId xmlns:p14="http://schemas.microsoft.com/office/powerpoint/2010/main" val="1113117212"/>
+                <p14:modId xmlns:p14="http://schemas.microsoft.com/office/powerpoint/2010/main" val="3898650614"/>
               </p:ext>
             </p:extLst>
           </p:nvPr>
